--- a/presentation/presentacion.pptx
+++ b/presentation/presentacion.pptx
@@ -10839,10 +10839,10 @@
       </p:sp>
       <p:pic>
         <p:nvPicPr>
-          <p:cNvPr id="3" name="Picture 2" descr="Graphical user interface, text, application, Teams&#10;&#10;Description automatically generated">
+          <p:cNvPr id="2" name="Picture 1" descr="Graphical user interface, text, application&#10;&#10;Description automatically generated with medium confidence">
             <a:extLst>
               <a:ext uri="{FF2B5EF4-FFF2-40B4-BE49-F238E27FC236}">
-                <a16:creationId xmlns:a16="http://schemas.microsoft.com/office/drawing/2014/main" id="{C97517F4-22D3-3DD0-9B78-6349FB18D711}"/>
+                <a16:creationId xmlns:a16="http://schemas.microsoft.com/office/drawing/2014/main" id="{0DE44058-8C2F-EAD9-0F9C-DBA7621AF740}"/>
               </a:ext>
             </a:extLst>
           </p:cNvPr>
@@ -10852,15 +10852,21 @@
           <p:nvPr/>
         </p:nvPicPr>
         <p:blipFill>
-          <a:blip r:embed="rId3"/>
+          <a:blip r:embed="rId3">
+            <a:extLst>
+              <a:ext uri="{28A0092B-C50C-407E-A947-70E740481C1C}">
+                <a14:useLocalDpi xmlns:a14="http://schemas.microsoft.com/office/drawing/2010/main" val="0"/>
+              </a:ext>
+            </a:extLst>
+          </a:blip>
           <a:stretch>
             <a:fillRect/>
           </a:stretch>
         </p:blipFill>
         <p:spPr>
           <a:xfrm>
-            <a:off x="2870474" y="699247"/>
-            <a:ext cx="6082839" cy="3817694"/>
+            <a:off x="4017029" y="556755"/>
+            <a:ext cx="2693054" cy="4029989"/>
           </a:xfrm>
           <a:prstGeom prst="rect">
             <a:avLst/>
@@ -11823,10 +11829,10 @@
       </p:sp>
       <p:pic>
         <p:nvPicPr>
-          <p:cNvPr id="3" name="Picture 2" descr="Graphical user interface, text, application&#10;&#10;Description automatically generated">
+          <p:cNvPr id="2" name="Picture 1" descr="Graphical user interface, text, application, chat or text message&#10;&#10;Description automatically generated">
             <a:extLst>
               <a:ext uri="{FF2B5EF4-FFF2-40B4-BE49-F238E27FC236}">
-                <a16:creationId xmlns:a16="http://schemas.microsoft.com/office/drawing/2014/main" id="{010AF9D3-62D1-5CD6-14B2-19690952BA55}"/>
+                <a16:creationId xmlns:a16="http://schemas.microsoft.com/office/drawing/2014/main" id="{3A9FD0AF-5C67-B2A8-44DC-EA6FB0805837}"/>
               </a:ext>
             </a:extLst>
           </p:cNvPr>
@@ -11836,15 +11842,21 @@
           <p:nvPr/>
         </p:nvPicPr>
         <p:blipFill>
-          <a:blip r:embed="rId3"/>
+          <a:blip r:embed="rId3">
+            <a:extLst>
+              <a:ext uri="{28A0092B-C50C-407E-A947-70E740481C1C}">
+                <a14:useLocalDpi xmlns:a14="http://schemas.microsoft.com/office/drawing/2010/main" val="0"/>
+              </a:ext>
+            </a:extLst>
+          </a:blip>
           <a:stretch>
             <a:fillRect/>
           </a:stretch>
         </p:blipFill>
         <p:spPr>
           <a:xfrm>
-            <a:off x="4827268" y="2137036"/>
-            <a:ext cx="4179607" cy="2811963"/>
+            <a:off x="4842050" y="1368209"/>
+            <a:ext cx="4050552" cy="2025276"/>
           </a:xfrm>
           <a:prstGeom prst="rect">
             <a:avLst/>
@@ -11920,10 +11932,10 @@
       </p:sp>
       <p:pic>
         <p:nvPicPr>
-          <p:cNvPr id="4" name="Picture 3" descr="Graphical user interface, text, application&#10;&#10;Description automatically generated">
+          <p:cNvPr id="2" name="Picture 1" descr="Graphical user interface, text, application&#10;&#10;Description automatically generated with medium confidence">
             <a:extLst>
               <a:ext uri="{FF2B5EF4-FFF2-40B4-BE49-F238E27FC236}">
-                <a16:creationId xmlns:a16="http://schemas.microsoft.com/office/drawing/2014/main" id="{92FEBAD8-D536-79B9-DDD8-4AD865781825}"/>
+                <a16:creationId xmlns:a16="http://schemas.microsoft.com/office/drawing/2014/main" id="{590E444A-5593-538E-A308-1B733AEFA3E7}"/>
               </a:ext>
             </a:extLst>
           </p:cNvPr>
@@ -11933,15 +11945,21 @@
           <p:nvPr/>
         </p:nvPicPr>
         <p:blipFill>
-          <a:blip r:embed="rId3"/>
+          <a:blip r:embed="rId3">
+            <a:extLst>
+              <a:ext uri="{28A0092B-C50C-407E-A947-70E740481C1C}">
+                <a14:useLocalDpi xmlns:a14="http://schemas.microsoft.com/office/drawing/2010/main" val="0"/>
+              </a:ext>
+            </a:extLst>
+          </a:blip>
           <a:stretch>
             <a:fillRect/>
           </a:stretch>
         </p:blipFill>
         <p:spPr>
           <a:xfrm>
-            <a:off x="0" y="1416053"/>
-            <a:ext cx="4571999" cy="2861716"/>
+            <a:off x="843524" y="1311300"/>
+            <a:ext cx="2289641" cy="3426306"/>
           </a:xfrm>
           <a:prstGeom prst="rect">
             <a:avLst/>
@@ -11950,10 +11968,10 @@
       </p:pic>
       <p:pic>
         <p:nvPicPr>
-          <p:cNvPr id="5" name="Picture 4" descr="Graphical user interface, text, application&#10;&#10;Description automatically generated">
+          <p:cNvPr id="3" name="Picture 2">
             <a:extLst>
               <a:ext uri="{FF2B5EF4-FFF2-40B4-BE49-F238E27FC236}">
-                <a16:creationId xmlns:a16="http://schemas.microsoft.com/office/drawing/2014/main" id="{452E131F-BF05-BA65-6F1A-2A5E8F96D15F}"/>
+                <a16:creationId xmlns:a16="http://schemas.microsoft.com/office/drawing/2014/main" id="{AA9E45D9-5CF6-9386-6873-EAA167C02074}"/>
               </a:ext>
             </a:extLst>
           </p:cNvPr>
@@ -11963,15 +11981,21 @@
           <p:nvPr/>
         </p:nvPicPr>
         <p:blipFill>
-          <a:blip r:embed="rId3"/>
+          <a:blip r:embed="rId4">
+            <a:extLst>
+              <a:ext uri="{28A0092B-C50C-407E-A947-70E740481C1C}">
+                <a14:useLocalDpi xmlns:a14="http://schemas.microsoft.com/office/drawing/2010/main" val="0"/>
+              </a:ext>
+            </a:extLst>
+          </a:blip>
           <a:stretch>
             <a:fillRect/>
           </a:stretch>
         </p:blipFill>
         <p:spPr>
           <a:xfrm>
-            <a:off x="4571999" y="1416053"/>
-            <a:ext cx="4571999" cy="2861716"/>
+            <a:off x="5586222" y="1311301"/>
+            <a:ext cx="2295481" cy="3426306"/>
           </a:xfrm>
           <a:prstGeom prst="rect">
             <a:avLst/>
@@ -12047,10 +12071,10 @@
       </p:sp>
       <p:pic>
         <p:nvPicPr>
-          <p:cNvPr id="4" name="Picture 3" descr="Graphical user interface, text, application&#10;&#10;Description automatically generated">
+          <p:cNvPr id="2" name="Picture 1" descr="Text&#10;&#10;Description automatically generated">
             <a:extLst>
               <a:ext uri="{FF2B5EF4-FFF2-40B4-BE49-F238E27FC236}">
-                <a16:creationId xmlns:a16="http://schemas.microsoft.com/office/drawing/2014/main" id="{4A6C80C4-F413-E8BD-7829-E6E988AAED04}"/>
+                <a16:creationId xmlns:a16="http://schemas.microsoft.com/office/drawing/2014/main" id="{5BFED0FC-E71F-58B6-B2D1-4927A253450D}"/>
               </a:ext>
             </a:extLst>
           </p:cNvPr>
@@ -12060,15 +12084,21 @@
           <p:nvPr/>
         </p:nvPicPr>
         <p:blipFill>
-          <a:blip r:embed="rId3"/>
+          <a:blip r:embed="rId3" cstate="print">
+            <a:extLst>
+              <a:ext uri="{28A0092B-C50C-407E-A947-70E740481C1C}">
+                <a14:useLocalDpi xmlns:a14="http://schemas.microsoft.com/office/drawing/2010/main" val="0"/>
+              </a:ext>
+            </a:extLst>
+          </a:blip>
           <a:stretch>
             <a:fillRect/>
           </a:stretch>
         </p:blipFill>
         <p:spPr>
           <a:xfrm>
-            <a:off x="0" y="1510580"/>
-            <a:ext cx="4547827" cy="2861549"/>
+            <a:off x="920936" y="1428501"/>
+            <a:ext cx="2360146" cy="3540219"/>
           </a:xfrm>
           <a:prstGeom prst="rect">
             <a:avLst/>
@@ -12077,10 +12107,10 @@
       </p:pic>
       <p:pic>
         <p:nvPicPr>
-          <p:cNvPr id="5" name="Picture 4" descr="Text&#10;&#10;Description automatically generated">
+          <p:cNvPr id="3" name="Picture 2" descr="Graphical user interface, text, application, email&#10;&#10;Description automatically generated">
             <a:extLst>
               <a:ext uri="{FF2B5EF4-FFF2-40B4-BE49-F238E27FC236}">
-                <a16:creationId xmlns:a16="http://schemas.microsoft.com/office/drawing/2014/main" id="{BCF1A155-3A50-371A-7FDB-0D8E33C65CC7}"/>
+                <a16:creationId xmlns:a16="http://schemas.microsoft.com/office/drawing/2014/main" id="{75D72F44-7968-68EE-4CF7-38FFE68EB910}"/>
               </a:ext>
             </a:extLst>
           </p:cNvPr>
@@ -12090,15 +12120,21 @@
           <p:nvPr/>
         </p:nvPicPr>
         <p:blipFill>
-          <a:blip r:embed="rId4"/>
+          <a:blip r:embed="rId4">
+            <a:extLst>
+              <a:ext uri="{28A0092B-C50C-407E-A947-70E740481C1C}">
+                <a14:useLocalDpi xmlns:a14="http://schemas.microsoft.com/office/drawing/2010/main" val="0"/>
+              </a:ext>
+            </a:extLst>
+          </a:blip>
           <a:stretch>
             <a:fillRect/>
           </a:stretch>
         </p:blipFill>
         <p:spPr>
           <a:xfrm>
-            <a:off x="4596174" y="1567365"/>
-            <a:ext cx="4438889" cy="2778399"/>
+            <a:off x="4761797" y="2042085"/>
+            <a:ext cx="3856320" cy="1928160"/>
           </a:xfrm>
           <a:prstGeom prst="rect">
             <a:avLst/>

--- a/presentation/presentacion.pptx
+++ b/presentation/presentacion.pptx
@@ -2266,7 +2266,7 @@
           <a:p>
             <a:fld id="{48A87A34-81AB-432B-8DAE-1953F412C126}" type="datetimeFigureOut">
               <a:rPr lang="en-US" dirty="0"/>
-              <a:t>1/17/23</a:t>
+              <a:t>1/19/23</a:t>
             </a:fld>
             <a:endParaRPr lang="en-US" dirty="0"/>
           </a:p>
@@ -2543,7 +2543,7 @@
           <a:p>
             <a:fld id="{48A87A34-81AB-432B-8DAE-1953F412C126}" type="datetimeFigureOut">
               <a:rPr lang="en-US" dirty="0"/>
-              <a:t>1/17/23</a:t>
+              <a:t>1/19/23</a:t>
             </a:fld>
             <a:endParaRPr lang="en-US" dirty="0"/>
           </a:p>
@@ -2785,7 +2785,7 @@
             <a:fld id="{48A87A34-81AB-432B-8DAE-1953F412C126}" type="datetimeFigureOut">
               <a:rPr lang="en-US" dirty="0"/>
               <a:pPr/>
-              <a:t>1/17/23</a:t>
+              <a:t>1/19/23</a:t>
             </a:fld>
             <a:endParaRPr lang="en-US" dirty="0"/>
           </a:p>
@@ -3106,7 +3106,7 @@
             <a:fld id="{48A87A34-81AB-432B-8DAE-1953F412C126}" type="datetimeFigureOut">
               <a:rPr lang="en-US" dirty="0"/>
               <a:pPr/>
-              <a:t>1/17/23</a:t>
+              <a:t>1/19/23</a:t>
             </a:fld>
             <a:endParaRPr lang="en-US" dirty="0"/>
           </a:p>
@@ -3590,7 +3590,7 @@
             <a:fld id="{48A87A34-81AB-432B-8DAE-1953F412C126}" type="datetimeFigureOut">
               <a:rPr lang="en-US" dirty="0"/>
               <a:pPr/>
-              <a:t>1/17/23</a:t>
+              <a:t>1/19/23</a:t>
             </a:fld>
             <a:endParaRPr lang="en-US" dirty="0"/>
           </a:p>
@@ -4147,7 +4147,7 @@
           <a:p>
             <a:fld id="{48A87A34-81AB-432B-8DAE-1953F412C126}" type="datetimeFigureOut">
               <a:rPr lang="en-US" dirty="0"/>
-              <a:t>1/17/23</a:t>
+              <a:t>1/19/23</a:t>
             </a:fld>
             <a:endParaRPr lang="en-US" dirty="0"/>
           </a:p>
@@ -4931,7 +4931,7 @@
           <a:p>
             <a:fld id="{48A87A34-81AB-432B-8DAE-1953F412C126}" type="datetimeFigureOut">
               <a:rPr lang="en-US" dirty="0"/>
-              <a:t>1/17/23</a:t>
+              <a:t>1/19/23</a:t>
             </a:fld>
             <a:endParaRPr lang="en-US" dirty="0"/>
           </a:p>
@@ -5116,7 +5116,7 @@
           <a:p>
             <a:fld id="{48A87A34-81AB-432B-8DAE-1953F412C126}" type="datetimeFigureOut">
               <a:rPr lang="en-US" dirty="0"/>
-              <a:t>1/17/23</a:t>
+              <a:t>1/19/23</a:t>
             </a:fld>
             <a:endParaRPr lang="en-US" dirty="0"/>
           </a:p>
@@ -5350,7 +5350,7 @@
             <a:fld id="{48A87A34-81AB-432B-8DAE-1953F412C126}" type="datetimeFigureOut">
               <a:rPr lang="en-US" dirty="0"/>
               <a:pPr/>
-              <a:t>1/17/23</a:t>
+              <a:t>1/19/23</a:t>
             </a:fld>
             <a:endParaRPr lang="en-US" dirty="0"/>
           </a:p>
@@ -6274,7 +6274,7 @@
           <a:p>
             <a:fld id="{48A87A34-81AB-432B-8DAE-1953F412C126}" type="datetimeFigureOut">
               <a:rPr lang="en-US" dirty="0"/>
-              <a:t>1/17/23</a:t>
+              <a:t>1/19/23</a:t>
             </a:fld>
             <a:endParaRPr lang="en-US" dirty="0"/>
           </a:p>
@@ -7070,7 +7070,7 @@
             <a:fld id="{48A87A34-81AB-432B-8DAE-1953F412C126}" type="datetimeFigureOut">
               <a:rPr lang="en-US" dirty="0"/>
               <a:pPr/>
-              <a:t>1/17/23</a:t>
+              <a:t>1/19/23</a:t>
             </a:fld>
             <a:endParaRPr lang="en-US" dirty="0"/>
           </a:p>
@@ -7322,7 +7322,7 @@
           <a:p>
             <a:fld id="{48A87A34-81AB-432B-8DAE-1953F412C126}" type="datetimeFigureOut">
               <a:rPr lang="en-US" dirty="0"/>
-              <a:t>1/17/23</a:t>
+              <a:t>1/19/23</a:t>
             </a:fld>
             <a:endParaRPr lang="en-US" dirty="0"/>
           </a:p>
@@ -7711,7 +7711,7 @@
           <a:p>
             <a:fld id="{48A87A34-81AB-432B-8DAE-1953F412C126}" type="datetimeFigureOut">
               <a:rPr lang="en-US" dirty="0"/>
-              <a:t>1/17/23</a:t>
+              <a:t>1/19/23</a:t>
             </a:fld>
             <a:endParaRPr lang="en-US" dirty="0"/>
           </a:p>
@@ -7839,7 +7839,7 @@
           <a:p>
             <a:fld id="{48A87A34-81AB-432B-8DAE-1953F412C126}" type="datetimeFigureOut">
               <a:rPr lang="en-US" dirty="0"/>
-              <a:t>1/17/23</a:t>
+              <a:t>1/19/23</a:t>
             </a:fld>
             <a:endParaRPr lang="en-US" dirty="0"/>
           </a:p>
@@ -7944,7 +7944,7 @@
           <a:p>
             <a:fld id="{48A87A34-81AB-432B-8DAE-1953F412C126}" type="datetimeFigureOut">
               <a:rPr lang="en-US" dirty="0"/>
-              <a:t>1/17/23</a:t>
+              <a:t>1/19/23</a:t>
             </a:fld>
             <a:endParaRPr lang="en-US" dirty="0"/>
           </a:p>
@@ -8202,7 +8202,7 @@
           <a:p>
             <a:fld id="{48A87A34-81AB-432B-8DAE-1953F412C126}" type="datetimeFigureOut">
               <a:rPr lang="en-US" dirty="0"/>
-              <a:t>1/17/23</a:t>
+              <a:t>1/19/23</a:t>
             </a:fld>
             <a:endParaRPr lang="en-US" dirty="0"/>
           </a:p>
@@ -8469,7 +8469,7 @@
           <a:p>
             <a:fld id="{48A87A34-81AB-432B-8DAE-1953F412C126}" type="datetimeFigureOut">
               <a:rPr lang="en-US" dirty="0"/>
-              <a:t>1/17/23</a:t>
+              <a:t>1/19/23</a:t>
             </a:fld>
             <a:endParaRPr lang="en-US" dirty="0"/>
           </a:p>
@@ -8723,7 +8723,7 @@
             <a:fld id="{48A87A34-81AB-432B-8DAE-1953F412C126}" type="datetimeFigureOut">
               <a:rPr lang="en-US" dirty="0"/>
               <a:pPr/>
-              <a:t>1/17/23</a:t>
+              <a:t>1/19/23</a:t>
             </a:fld>
             <a:endParaRPr lang="en-US" dirty="0"/>
           </a:p>
@@ -10786,6 +10786,10 @@
           </p:nvPr>
         </p:nvSpPr>
         <p:spPr>
+          <a:xfrm>
+            <a:off x="311699" y="1389600"/>
+            <a:ext cx="2978255" cy="3179400"/>
+          </a:xfrm>
           <a:prstGeom prst="rect">
             <a:avLst/>
           </a:prstGeom>
@@ -10796,7 +10800,7 @@
           </a:bodyPr>
           <a:lstStyle/>
           <a:p>
-            <a:pPr marL="0" marR="375920" indent="0" algn="just">
+            <a:pPr marL="0" marR="375920" indent="0">
               <a:lnSpc>
                 <a:spcPct val="115000"/>
               </a:lnSpc>
@@ -11055,7 +11059,7 @@
                 <a:ea typeface="Open Sans" panose="020B0606030504020204" pitchFamily="34" charset="0"/>
                 <a:cs typeface="Open Sans" panose="020B0606030504020204" pitchFamily="34" charset="0"/>
               </a:rPr>
-              <a:t>El principal problema que encontré fue como determinar qué película es adecuado para cada persona. Por ello decidí establecer categorias.</a:t>
+              <a:t>El principal problema que encontré fue como determinar qué película es adecuada para cada persona. Por ello decidí establecer categorias.</a:t>
             </a:r>
             <a:endParaRPr sz="1900" dirty="0">
               <a:latin typeface="Open Sans" panose="020B0606030504020204" pitchFamily="34" charset="0"/>
@@ -11410,7 +11414,27 @@
                 <a:ea typeface="Open Sans" panose="020B0606030504020204" pitchFamily="34" charset="0"/>
                 <a:cs typeface="Open Sans" panose="020B0606030504020204" pitchFamily="34" charset="0"/>
               </a:rPr>
-              <a:t>Mi aplicación comienza con la creación de un conjunto de datos que luego utilizaré para crear la base de datos. Empecé a buscar en </a:t>
+              <a:t>Mi aplicación comienza con la creación de un conjunto de datos que luego utilizaré para crear la base de datos.</a:t>
+            </a:r>
+          </a:p>
+          <a:p>
+            <a:pPr marL="0" lvl="0" indent="0" algn="l" rtl="0">
+              <a:spcBef>
+                <a:spcPts val="0"/>
+              </a:spcBef>
+              <a:spcAft>
+                <a:spcPts val="0"/>
+              </a:spcAft>
+              <a:buNone/>
+            </a:pPr>
+            <a:r>
+              <a:rPr lang="es-ES" sz="1400" dirty="0">
+                <a:effectLst/>
+                <a:latin typeface="Open Sans" panose="020B0606030504020204" pitchFamily="34" charset="0"/>
+                <a:ea typeface="Open Sans" panose="020B0606030504020204" pitchFamily="34" charset="0"/>
+                <a:cs typeface="Open Sans" panose="020B0606030504020204" pitchFamily="34" charset="0"/>
+              </a:rPr>
+              <a:t> Empecé buscando en </a:t>
             </a:r>
             <a:r>
               <a:rPr lang="es-ES" sz="1400" dirty="0" err="1">
@@ -11428,7 +11452,7 @@
                 <a:ea typeface="Open Sans" panose="020B0606030504020204" pitchFamily="34" charset="0"/>
                 <a:cs typeface="Open Sans" panose="020B0606030504020204" pitchFamily="34" charset="0"/>
               </a:rPr>
-              <a:t> un conjunto de datos que se ajustara a lo que tenía en mente, hasta que encontré uno adecuado.</a:t>
+              <a:t> un conjunto de datos que se ajustaba a lo que tenía en mente, hasta que encontré uno adecuado.</a:t>
             </a:r>
             <a:endParaRPr lang="it-IT" sz="1400" dirty="0">
               <a:effectLst/>
@@ -11547,7 +11571,61 @@
                 <a:ea typeface="Open Sans" panose="020B0606030504020204" pitchFamily="34" charset="0"/>
                 <a:cs typeface="Open Sans" panose="020B0606030504020204" pitchFamily="34" charset="0"/>
               </a:rPr>
-              <a:t>Los círculos que aparecen en naranja son las películas, es decir, los atributos que componen la base de datos. Los círculos morados son las categorías de </a:t>
+              <a:t>Los círculos que aparecen en amarillo son las películas, es decir, los atributos que componen la base de datos. Los círculos púrpura son los directores y </a:t>
+            </a:r>
+            <a:r>
+              <a:rPr lang="it-IT" sz="1400" dirty="0" err="1">
+                <a:effectLst/>
+                <a:latin typeface="Open Sans" panose="020B0606030504020204" pitchFamily="34" charset="0"/>
+                <a:ea typeface="Open Sans" panose="020B0606030504020204" pitchFamily="34" charset="0"/>
+                <a:cs typeface="Open Sans" panose="020B0606030504020204" pitchFamily="34" charset="0"/>
+              </a:rPr>
+              <a:t>los</a:t>
+            </a:r>
+            <a:r>
+              <a:rPr lang="it-IT" sz="1400" dirty="0">
+                <a:effectLst/>
+                <a:latin typeface="Open Sans" panose="020B0606030504020204" pitchFamily="34" charset="0"/>
+                <a:ea typeface="Open Sans" panose="020B0606030504020204" pitchFamily="34" charset="0"/>
+                <a:cs typeface="Open Sans" panose="020B0606030504020204" pitchFamily="34" charset="0"/>
+              </a:rPr>
+              <a:t> </a:t>
+            </a:r>
+            <a:r>
+              <a:rPr lang="it-IT" sz="1400" dirty="0" err="1">
+                <a:effectLst/>
+                <a:latin typeface="Open Sans" panose="020B0606030504020204" pitchFamily="34" charset="0"/>
+                <a:ea typeface="Open Sans" panose="020B0606030504020204" pitchFamily="34" charset="0"/>
+                <a:cs typeface="Open Sans" panose="020B0606030504020204" pitchFamily="34" charset="0"/>
+              </a:rPr>
+              <a:t>círculos</a:t>
+            </a:r>
+            <a:r>
+              <a:rPr lang="it-IT" sz="1400" dirty="0">
+                <a:effectLst/>
+                <a:latin typeface="Open Sans" panose="020B0606030504020204" pitchFamily="34" charset="0"/>
+                <a:ea typeface="Open Sans" panose="020B0606030504020204" pitchFamily="34" charset="0"/>
+                <a:cs typeface="Open Sans" panose="020B0606030504020204" pitchFamily="34" charset="0"/>
+              </a:rPr>
+              <a:t> </a:t>
+            </a:r>
+            <a:r>
+              <a:rPr lang="it-IT" sz="1400" dirty="0" err="1">
+                <a:effectLst/>
+                <a:latin typeface="Open Sans" panose="020B0606030504020204" pitchFamily="34" charset="0"/>
+                <a:ea typeface="Open Sans" panose="020B0606030504020204" pitchFamily="34" charset="0"/>
+                <a:cs typeface="Open Sans" panose="020B0606030504020204" pitchFamily="34" charset="0"/>
+              </a:rPr>
+              <a:t>naranjas</a:t>
+            </a:r>
+            <a:r>
+              <a:rPr lang="it-IT" sz="1400" dirty="0">
+                <a:effectLst/>
+                <a:latin typeface="Open Sans" panose="020B0606030504020204" pitchFamily="34" charset="0"/>
+                <a:ea typeface="Open Sans" panose="020B0606030504020204" pitchFamily="34" charset="0"/>
+                <a:cs typeface="Open Sans" panose="020B0606030504020204" pitchFamily="34" charset="0"/>
+              </a:rPr>
+              <a:t> son </a:t>
             </a:r>
             <a:r>
               <a:rPr lang="it-IT" sz="1400" dirty="0" err="1">
@@ -11565,7 +11643,7 @@
                 <a:ea typeface="Open Sans" panose="020B0606030504020204" pitchFamily="34" charset="0"/>
                 <a:cs typeface="Open Sans" panose="020B0606030504020204" pitchFamily="34" charset="0"/>
               </a:rPr>
-              <a:t> </a:t>
+              <a:t> cara </a:t>
             </a:r>
             <a:r>
               <a:rPr lang="it-IT" sz="1400" dirty="0" err="1">
@@ -11574,7 +11652,116 @@
                 <a:ea typeface="Open Sans" panose="020B0606030504020204" pitchFamily="34" charset="0"/>
                 <a:cs typeface="Open Sans" panose="020B0606030504020204" pitchFamily="34" charset="0"/>
               </a:rPr>
-              <a:t>películas</a:t>
+              <a:t>categorías</a:t>
+            </a:r>
+            <a:r>
+              <a:rPr lang="it-IT" sz="1400" dirty="0">
+                <a:effectLst/>
+                <a:latin typeface="Open Sans" panose="020B0606030504020204" pitchFamily="34" charset="0"/>
+                <a:ea typeface="Open Sans" panose="020B0606030504020204" pitchFamily="34" charset="0"/>
+                <a:cs typeface="Open Sans" panose="020B0606030504020204" pitchFamily="34" charset="0"/>
+              </a:rPr>
+              <a:t>.</a:t>
+            </a:r>
+          </a:p>
+          <a:p>
+            <a:pPr marL="0" lvl="0" indent="0" algn="just" rtl="0">
+              <a:spcBef>
+                <a:spcPts val="1600"/>
+              </a:spcBef>
+              <a:spcAft>
+                <a:spcPts val="0"/>
+              </a:spcAft>
+              <a:buNone/>
+            </a:pPr>
+            <a:r>
+              <a:rPr lang="it-IT" sz="1400" dirty="0" err="1">
+                <a:latin typeface="Open Sans" panose="020B0606030504020204" pitchFamily="34" charset="0"/>
+                <a:ea typeface="Open Sans" panose="020B0606030504020204" pitchFamily="34" charset="0"/>
+                <a:cs typeface="Open Sans" panose="020B0606030504020204" pitchFamily="34" charset="0"/>
+              </a:rPr>
+              <a:t>Mientras</a:t>
+            </a:r>
+            <a:r>
+              <a:rPr lang="it-IT" sz="1400" dirty="0">
+                <a:latin typeface="Open Sans" panose="020B0606030504020204" pitchFamily="34" charset="0"/>
+                <a:ea typeface="Open Sans" panose="020B0606030504020204" pitchFamily="34" charset="0"/>
+                <a:cs typeface="Open Sans" panose="020B0606030504020204" pitchFamily="34" charset="0"/>
+              </a:rPr>
+              <a:t> </a:t>
+            </a:r>
+            <a:r>
+              <a:rPr lang="it-IT" sz="1400" dirty="0" err="1">
+                <a:latin typeface="Open Sans" panose="020B0606030504020204" pitchFamily="34" charset="0"/>
+                <a:ea typeface="Open Sans" panose="020B0606030504020204" pitchFamily="34" charset="0"/>
+                <a:cs typeface="Open Sans" panose="020B0606030504020204" pitchFamily="34" charset="0"/>
+              </a:rPr>
+              <a:t>los</a:t>
+            </a:r>
+            <a:r>
+              <a:rPr lang="it-IT" sz="1400" dirty="0">
+                <a:latin typeface="Open Sans" panose="020B0606030504020204" pitchFamily="34" charset="0"/>
+                <a:ea typeface="Open Sans" panose="020B0606030504020204" pitchFamily="34" charset="0"/>
+                <a:cs typeface="Open Sans" panose="020B0606030504020204" pitchFamily="34" charset="0"/>
+              </a:rPr>
+              <a:t> </a:t>
+            </a:r>
+            <a:r>
+              <a:rPr lang="it-IT" sz="1400" dirty="0" err="1">
+                <a:latin typeface="Open Sans" panose="020B0606030504020204" pitchFamily="34" charset="0"/>
+                <a:ea typeface="Open Sans" panose="020B0606030504020204" pitchFamily="34" charset="0"/>
+                <a:cs typeface="Open Sans" panose="020B0606030504020204" pitchFamily="34" charset="0"/>
+              </a:rPr>
+              <a:t>círculos</a:t>
+            </a:r>
+            <a:r>
+              <a:rPr lang="it-IT" sz="1400" dirty="0">
+                <a:latin typeface="Open Sans" panose="020B0606030504020204" pitchFamily="34" charset="0"/>
+                <a:ea typeface="Open Sans" panose="020B0606030504020204" pitchFamily="34" charset="0"/>
+                <a:cs typeface="Open Sans" panose="020B0606030504020204" pitchFamily="34" charset="0"/>
+              </a:rPr>
+              <a:t> </a:t>
+            </a:r>
+            <a:r>
+              <a:rPr lang="it-IT" sz="1400" dirty="0" err="1">
+                <a:latin typeface="Open Sans" panose="020B0606030504020204" pitchFamily="34" charset="0"/>
+                <a:ea typeface="Open Sans" panose="020B0606030504020204" pitchFamily="34" charset="0"/>
+                <a:cs typeface="Open Sans" panose="020B0606030504020204" pitchFamily="34" charset="0"/>
+              </a:rPr>
+              <a:t>azul</a:t>
+            </a:r>
+            <a:r>
+              <a:rPr lang="it-IT" sz="1400" dirty="0">
+                <a:latin typeface="Open Sans" panose="020B0606030504020204" pitchFamily="34" charset="0"/>
+                <a:ea typeface="Open Sans" panose="020B0606030504020204" pitchFamily="34" charset="0"/>
+                <a:cs typeface="Open Sans" panose="020B0606030504020204" pitchFamily="34" charset="0"/>
+              </a:rPr>
+              <a:t> son </a:t>
+            </a:r>
+            <a:r>
+              <a:rPr lang="it-IT" sz="1400" dirty="0" err="1">
+                <a:latin typeface="Open Sans" panose="020B0606030504020204" pitchFamily="34" charset="0"/>
+                <a:ea typeface="Open Sans" panose="020B0606030504020204" pitchFamily="34" charset="0"/>
+                <a:cs typeface="Open Sans" panose="020B0606030504020204" pitchFamily="34" charset="0"/>
+              </a:rPr>
+              <a:t>las</a:t>
+            </a:r>
+            <a:r>
+              <a:rPr lang="it-IT" sz="1400" dirty="0">
+                <a:latin typeface="Open Sans" panose="020B0606030504020204" pitchFamily="34" charset="0"/>
+                <a:ea typeface="Open Sans" panose="020B0606030504020204" pitchFamily="34" charset="0"/>
+                <a:cs typeface="Open Sans" panose="020B0606030504020204" pitchFamily="34" charset="0"/>
+              </a:rPr>
+              <a:t> tipologia </a:t>
+            </a:r>
+            <a:r>
+              <a:rPr lang="it-IT" sz="1400" dirty="0">
+                <a:effectLst/>
+                <a:latin typeface="Open Sans" panose="020B0606030504020204" pitchFamily="34" charset="0"/>
+                <a:ea typeface="Open Sans" panose="020B0606030504020204" pitchFamily="34" charset="0"/>
+                <a:cs typeface="Open Sans" panose="020B0606030504020204" pitchFamily="34" charset="0"/>
+              </a:rPr>
+              <a:t> </a:t>
             </a:r>
             <a:endParaRPr sz="1400" dirty="0">
               <a:solidFill>
